--- a/design/presentation/Kompose_Presentation.pptx
+++ b/design/presentation/Kompose_Presentation.pptx
@@ -3760,6 +3760,42 @@
           </a:prstGeom>
         </p:spPr>
       </p:pic>
+      <p:pic>
+        <p:nvPicPr>
+          <p:cNvPr id="4" name="Picture 3" descr="A screenshot of a cell phone&#10;&#10;Description generated with very high confidence">
+            <a:extLst>
+              <a:ext uri="{FF2B5EF4-FFF2-40B4-BE49-F238E27FC236}">
+                <a16:creationId xmlns:a16="http://schemas.microsoft.com/office/drawing/2014/main" id="{FD3A0259-A88C-4692-8441-1D3309C171B0}"/>
+              </a:ext>
+            </a:extLst>
+          </p:cNvPr>
+          <p:cNvPicPr>
+            <a:picLocks noChangeAspect="1"/>
+          </p:cNvPicPr>
+          <p:nvPr/>
+        </p:nvPicPr>
+        <p:blipFill>
+          <a:blip r:embed="rId6">
+            <a:extLst>
+              <a:ext uri="{28A0092B-C50C-407E-A947-70E740481C1C}">
+                <a14:useLocalDpi xmlns:a14="http://schemas.microsoft.com/office/drawing/2010/main" val="0"/>
+              </a:ext>
+            </a:extLst>
+          </a:blip>
+          <a:stretch>
+            <a:fillRect/>
+          </a:stretch>
+        </p:blipFill>
+        <p:spPr>
+          <a:xfrm>
+            <a:off x="7335834" y="643468"/>
+            <a:ext cx="3133724" cy="5571065"/>
+          </a:xfrm>
+          <a:prstGeom prst="rect">
+            <a:avLst/>
+          </a:prstGeom>
+        </p:spPr>
+      </p:pic>
     </p:spTree>
     <p:extLst>
       <p:ext uri="{BB962C8B-B14F-4D97-AF65-F5344CB8AC3E}">

--- a/design/presentation/Kompose_Presentation.pptx
+++ b/design/presentation/Kompose_Presentation.pptx
@@ -10,7 +10,6 @@
     <p:sldId id="256" r:id="rId4"/>
     <p:sldId id="261" r:id="rId5"/>
     <p:sldId id="262" r:id="rId6"/>
-    <p:sldId id="259" r:id="rId7"/>
   </p:sldIdLst>
   <p:sldSz cx="12192000" cy="6858000"/>
   <p:notesSz cx="6858000" cy="9144000"/>
@@ -252,7 +251,7 @@
           <a:p>
             <a:fld id="{92500A94-974E-4435-A24C-4E7E461F6CCF}" type="datetimeFigureOut">
               <a:rPr lang="en-GB" smtClean="0"/>
-              <a:t>12/12/2017</a:t>
+              <a:t>13/12/2017</a:t>
             </a:fld>
             <a:endParaRPr lang="en-GB"/>
           </a:p>
@@ -422,7 +421,7 @@
           <a:p>
             <a:fld id="{92500A94-974E-4435-A24C-4E7E461F6CCF}" type="datetimeFigureOut">
               <a:rPr lang="en-GB" smtClean="0"/>
-              <a:t>12/12/2017</a:t>
+              <a:t>13/12/2017</a:t>
             </a:fld>
             <a:endParaRPr lang="en-GB"/>
           </a:p>
@@ -602,7 +601,7 @@
           <a:p>
             <a:fld id="{92500A94-974E-4435-A24C-4E7E461F6CCF}" type="datetimeFigureOut">
               <a:rPr lang="en-GB" smtClean="0"/>
-              <a:t>12/12/2017</a:t>
+              <a:t>13/12/2017</a:t>
             </a:fld>
             <a:endParaRPr lang="en-GB"/>
           </a:p>
@@ -772,7 +771,7 @@
           <a:p>
             <a:fld id="{92500A94-974E-4435-A24C-4E7E461F6CCF}" type="datetimeFigureOut">
               <a:rPr lang="en-GB" smtClean="0"/>
-              <a:t>12/12/2017</a:t>
+              <a:t>13/12/2017</a:t>
             </a:fld>
             <a:endParaRPr lang="en-GB"/>
           </a:p>
@@ -1018,7 +1017,7 @@
           <a:p>
             <a:fld id="{92500A94-974E-4435-A24C-4E7E461F6CCF}" type="datetimeFigureOut">
               <a:rPr lang="en-GB" smtClean="0"/>
-              <a:t>12/12/2017</a:t>
+              <a:t>13/12/2017</a:t>
             </a:fld>
             <a:endParaRPr lang="en-GB"/>
           </a:p>
@@ -1250,7 +1249,7 @@
           <a:p>
             <a:fld id="{92500A94-974E-4435-A24C-4E7E461F6CCF}" type="datetimeFigureOut">
               <a:rPr lang="en-GB" smtClean="0"/>
-              <a:t>12/12/2017</a:t>
+              <a:t>13/12/2017</a:t>
             </a:fld>
             <a:endParaRPr lang="en-GB"/>
           </a:p>
@@ -1617,7 +1616,7 @@
           <a:p>
             <a:fld id="{92500A94-974E-4435-A24C-4E7E461F6CCF}" type="datetimeFigureOut">
               <a:rPr lang="en-GB" smtClean="0"/>
-              <a:t>12/12/2017</a:t>
+              <a:t>13/12/2017</a:t>
             </a:fld>
             <a:endParaRPr lang="en-GB"/>
           </a:p>
@@ -1735,7 +1734,7 @@
           <a:p>
             <a:fld id="{92500A94-974E-4435-A24C-4E7E461F6CCF}" type="datetimeFigureOut">
               <a:rPr lang="en-GB" smtClean="0"/>
-              <a:t>12/12/2017</a:t>
+              <a:t>13/12/2017</a:t>
             </a:fld>
             <a:endParaRPr lang="en-GB"/>
           </a:p>
@@ -1830,7 +1829,7 @@
           <a:p>
             <a:fld id="{92500A94-974E-4435-A24C-4E7E461F6CCF}" type="datetimeFigureOut">
               <a:rPr lang="en-GB" smtClean="0"/>
-              <a:t>12/12/2017</a:t>
+              <a:t>13/12/2017</a:t>
             </a:fld>
             <a:endParaRPr lang="en-GB"/>
           </a:p>
@@ -2107,7 +2106,7 @@
           <a:p>
             <a:fld id="{92500A94-974E-4435-A24C-4E7E461F6CCF}" type="datetimeFigureOut">
               <a:rPr lang="en-GB" smtClean="0"/>
-              <a:t>12/12/2017</a:t>
+              <a:t>13/12/2017</a:t>
             </a:fld>
             <a:endParaRPr lang="en-GB"/>
           </a:p>
@@ -2360,7 +2359,7 @@
           <a:p>
             <a:fld id="{92500A94-974E-4435-A24C-4E7E461F6CCF}" type="datetimeFigureOut">
               <a:rPr lang="en-GB" smtClean="0"/>
-              <a:t>12/12/2017</a:t>
+              <a:t>13/12/2017</a:t>
             </a:fld>
             <a:endParaRPr lang="en-GB"/>
           </a:p>
@@ -2573,7 +2572,7 @@
           <a:p>
             <a:fld id="{92500A94-974E-4435-A24C-4E7E461F6CCF}" type="datetimeFigureOut">
               <a:rPr lang="en-GB" smtClean="0"/>
-              <a:t>12/12/2017</a:t>
+              <a:t>13/12/2017</a:t>
             </a:fld>
             <a:endParaRPr lang="en-GB"/>
           </a:p>
@@ -3033,7 +3032,7 @@
           <p:nvPr/>
         </p:nvPicPr>
         <p:blipFill>
-          <a:blip r:embed="rId2">
+          <a:blip r:embed="rId2" cstate="print">
             <a:extLst>
               <a:ext uri="{28A0092B-C50C-407E-A947-70E740481C1C}">
                 <a14:useLocalDpi xmlns:a14="http://schemas.microsoft.com/office/drawing/2010/main" val="0"/>
@@ -3049,7 +3048,7 @@
         </p:blipFill>
         <p:spPr>
           <a:xfrm>
-            <a:off x="3657600" y="980819"/>
+            <a:off x="3657600" y="990600"/>
             <a:ext cx="4876800" cy="4876800"/>
           </a:xfrm>
           <a:prstGeom prst="rect">
@@ -3126,7 +3125,7 @@
         </p:blipFill>
         <p:spPr>
           <a:xfrm>
-            <a:off x="7621981" y="3419219"/>
+            <a:off x="7621981" y="3429000"/>
             <a:ext cx="2061358" cy="2061358"/>
           </a:xfrm>
           <a:prstGeom prst="rect">
@@ -3149,7 +3148,7 @@
           <p:nvPr/>
         </p:nvPicPr>
         <p:blipFill>
-          <a:blip r:embed="rId4">
+          <a:blip r:embed="rId4" cstate="print">
             <a:extLst>
               <a:ext uri="{28A0092B-C50C-407E-A947-70E740481C1C}">
                 <a14:useLocalDpi xmlns:a14="http://schemas.microsoft.com/office/drawing/2010/main" val="0"/>
@@ -3540,6 +3539,14 @@
           <a:prstGeom prst="rect">
             <a:avLst/>
           </a:prstGeom>
+          <a:ln w="114300">
+            <a:solidFill>
+              <a:schemeClr val="tx1">
+                <a:lumMod val="85000"/>
+                <a:lumOff val="15000"/>
+              </a:schemeClr>
+            </a:solidFill>
+          </a:ln>
         </p:spPr>
       </p:pic>
       <p:pic>
@@ -3576,6 +3583,14 @@
           <a:prstGeom prst="rect">
             <a:avLst/>
           </a:prstGeom>
+          <a:ln w="114300">
+            <a:solidFill>
+              <a:schemeClr val="tx1">
+                <a:lumMod val="85000"/>
+                <a:lumOff val="15000"/>
+              </a:schemeClr>
+            </a:solidFill>
+          </a:ln>
         </p:spPr>
       </p:pic>
     </p:spTree>
@@ -3758,6 +3773,14 @@
           <a:prstGeom prst="rect">
             <a:avLst/>
           </a:prstGeom>
+          <a:ln w="114300">
+            <a:solidFill>
+              <a:schemeClr val="tx1">
+                <a:lumMod val="85000"/>
+                <a:lumOff val="15000"/>
+              </a:schemeClr>
+            </a:solidFill>
+          </a:ln>
         </p:spPr>
       </p:pic>
       <p:pic>
@@ -3794,110 +3817,50 @@
           <a:prstGeom prst="rect">
             <a:avLst/>
           </a:prstGeom>
+          <a:ln w="114300">
+            <a:solidFill>
+              <a:schemeClr val="tx1">
+                <a:lumMod val="85000"/>
+                <a:lumOff val="15000"/>
+              </a:schemeClr>
+            </a:solidFill>
+          </a:ln>
+        </p:spPr>
+      </p:pic>
+      <p:pic>
+        <p:nvPicPr>
+          <p:cNvPr id="7" name="Grafik 6" descr="Bildschirmausschnitt"/>
+          <p:cNvPicPr>
+            <a:picLocks noChangeAspect="1"/>
+          </p:cNvPicPr>
+          <p:nvPr/>
+        </p:nvPicPr>
+        <p:blipFill>
+          <a:blip r:embed="rId7">
+            <a:extLst>
+              <a:ext uri="{28A0092B-C50C-407E-A947-70E740481C1C}">
+                <a14:useLocalDpi xmlns:a14="http://schemas.microsoft.com/office/drawing/2010/main" val="0"/>
+              </a:ext>
+            </a:extLst>
+          </a:blip>
+          <a:stretch>
+            <a:fillRect/>
+          </a:stretch>
+        </p:blipFill>
+        <p:spPr>
+          <a:xfrm>
+            <a:off x="7335834" y="5843291"/>
+            <a:ext cx="3133724" cy="371242"/>
+          </a:xfrm>
+          <a:prstGeom prst="rect">
+            <a:avLst/>
+          </a:prstGeom>
         </p:spPr>
       </p:pic>
     </p:spTree>
     <p:extLst>
       <p:ext uri="{BB962C8B-B14F-4D97-AF65-F5344CB8AC3E}">
         <p14:creationId xmlns:p14="http://schemas.microsoft.com/office/powerpoint/2010/main" val="690368780"/>
-      </p:ext>
-    </p:extLst>
-  </p:cSld>
-  <p:clrMapOvr>
-    <a:masterClrMapping/>
-  </p:clrMapOvr>
-</p:sld>
-</file>
-
-<file path=ppt/slides/slide6.xml><?xml version="1.0" encoding="utf-8"?>
-<p:sld xmlns:a="http://schemas.openxmlformats.org/drawingml/2006/main" xmlns:r="http://schemas.openxmlformats.org/officeDocument/2006/relationships" xmlns:p="http://schemas.openxmlformats.org/presentationml/2006/main">
-  <p:cSld>
-    <p:bg>
-      <p:bgPr>
-        <a:solidFill>
-          <a:srgbClr val="EE3A39"/>
-        </a:solidFill>
-        <a:effectLst/>
-      </p:bgPr>
-    </p:bg>
-    <p:spTree>
-      <p:nvGrpSpPr>
-        <p:cNvPr id="1" name=""/>
-        <p:cNvGrpSpPr/>
-        <p:nvPr/>
-      </p:nvGrpSpPr>
-      <p:grpSpPr>
-        <a:xfrm>
-          <a:off x="0" y="0"/>
-          <a:ext cx="0" cy="0"/>
-          <a:chOff x="0" y="0"/>
-          <a:chExt cx="0" cy="0"/>
-        </a:xfrm>
-      </p:grpSpPr>
-      <p:sp>
-        <p:nvSpPr>
-          <p:cNvPr id="3" name="Textplatzhalter 2"/>
-          <p:cNvSpPr>
-            <a:spLocks noGrp="1"/>
-          </p:cNvSpPr>
-          <p:nvPr>
-            <p:ph type="body" idx="1"/>
-          </p:nvPr>
-        </p:nvSpPr>
-        <p:spPr>
-          <a:xfrm>
-            <a:off x="838200" y="2678906"/>
-            <a:ext cx="10515600" cy="1500187"/>
-          </a:xfrm>
-        </p:spPr>
-        <p:txBody>
-          <a:bodyPr>
-            <a:normAutofit lnSpcReduction="10000"/>
-          </a:bodyPr>
-          <a:lstStyle/>
-          <a:p>
-            <a:pPr algn="ctr"/>
-            <a:r>
-              <a:rPr lang="en-GB" sz="3600" dirty="0">
-                <a:solidFill>
-                  <a:schemeClr val="bg1"/>
-                </a:solidFill>
-                <a:latin typeface="Russo One" panose="02000503050000020004" pitchFamily="2" charset="0"/>
-              </a:rPr>
-              <a:t>explore it yourself </a:t>
-            </a:r>
-            <a:br>
-              <a:rPr lang="en-GB" sz="3600" dirty="0">
-                <a:solidFill>
-                  <a:schemeClr val="bg1"/>
-                </a:solidFill>
-                <a:latin typeface="Russo One" panose="02000503050000020004" pitchFamily="2" charset="0"/>
-              </a:rPr>
-            </a:br>
-            <a:br>
-              <a:rPr lang="en-GB" sz="3600" dirty="0">
-                <a:solidFill>
-                  <a:schemeClr val="bg1"/>
-                </a:solidFill>
-                <a:latin typeface="Russo One" panose="02000503050000020004" pitchFamily="2" charset="0"/>
-              </a:rPr>
-            </a:br>
-            <a:r>
-              <a:rPr lang="en-GB" sz="3600" dirty="0">
-                <a:solidFill>
-                  <a:schemeClr val="bg1"/>
-                </a:solidFill>
-                <a:latin typeface="Russo One" panose="02000503050000020004" pitchFamily="2" charset="0"/>
-              </a:rPr>
-              <a:t>come see us later</a:t>
-            </a:r>
-          </a:p>
-        </p:txBody>
-      </p:sp>
-    </p:spTree>
-    <p:extLst>
-      <p:ext uri="{BB962C8B-B14F-4D97-AF65-F5344CB8AC3E}">
-        <p14:creationId xmlns:p14="http://schemas.microsoft.com/office/powerpoint/2010/main" val="3291962564"/>
       </p:ext>
     </p:extLst>
   </p:cSld>
